--- a/配色ルール.pptx
+++ b/配色ルール.pptx
@@ -1,6 +1,6 @@
 
 <file path=ppt/presentation.xml><?xml version="1.0" encoding="utf-8"?>
-<p:presentation xmlns:a="http://schemas.openxmlformats.org/drawingml/2006/main" xmlns:r="http://schemas.openxmlformats.org/officeDocument/2006/relationships" xmlns:p="http://schemas.openxmlformats.org/presentationml/2006/main" saveSubsetFonts="1">
+<p:presentation xmlns:a="http://schemas.openxmlformats.org/drawingml/2006/main" xmlns:r="http://schemas.openxmlformats.org/officeDocument/2006/relationships" xmlns:p="http://schemas.openxmlformats.org/presentationml/2006/main" removePersonalInfoOnSave="1" saveSubsetFonts="1">
   <p:sldMasterIdLst>
     <p:sldMasterId id="2147483648" r:id="rId1"/>
   </p:sldMasterIdLst>
@@ -265,7 +265,7 @@
           <a:p>
             <a:fld id="{676F7A63-D347-4AA7-BB97-1CDB187B80C6}" type="datetimeFigureOut">
               <a:rPr kumimoji="1" lang="ja-JP" altLang="en-US" smtClean="0"/>
-              <a:t>2021/10/11</a:t>
+              <a:t>2021/10/31</a:t>
             </a:fld>
             <a:endParaRPr kumimoji="1" lang="ja-JP" altLang="en-US"/>
           </a:p>
@@ -495,7 +495,7 @@
           <a:p>
             <a:fld id="{676F7A63-D347-4AA7-BB97-1CDB187B80C6}" type="datetimeFigureOut">
               <a:rPr kumimoji="1" lang="ja-JP" altLang="en-US" smtClean="0"/>
-              <a:t>2021/10/11</a:t>
+              <a:t>2021/10/31</a:t>
             </a:fld>
             <a:endParaRPr kumimoji="1" lang="ja-JP" altLang="en-US"/>
           </a:p>
@@ -735,7 +735,7 @@
           <a:p>
             <a:fld id="{676F7A63-D347-4AA7-BB97-1CDB187B80C6}" type="datetimeFigureOut">
               <a:rPr kumimoji="1" lang="ja-JP" altLang="en-US" smtClean="0"/>
-              <a:t>2021/10/11</a:t>
+              <a:t>2021/10/31</a:t>
             </a:fld>
             <a:endParaRPr kumimoji="1" lang="ja-JP" altLang="en-US"/>
           </a:p>
@@ -965,7 +965,7 @@
           <a:p>
             <a:fld id="{676F7A63-D347-4AA7-BB97-1CDB187B80C6}" type="datetimeFigureOut">
               <a:rPr kumimoji="1" lang="ja-JP" altLang="en-US" smtClean="0"/>
-              <a:t>2021/10/11</a:t>
+              <a:t>2021/10/31</a:t>
             </a:fld>
             <a:endParaRPr kumimoji="1" lang="ja-JP" altLang="en-US"/>
           </a:p>
@@ -1240,7 +1240,7 @@
           <a:p>
             <a:fld id="{676F7A63-D347-4AA7-BB97-1CDB187B80C6}" type="datetimeFigureOut">
               <a:rPr kumimoji="1" lang="ja-JP" altLang="en-US" smtClean="0"/>
-              <a:t>2021/10/11</a:t>
+              <a:t>2021/10/31</a:t>
             </a:fld>
             <a:endParaRPr kumimoji="1" lang="ja-JP" altLang="en-US"/>
           </a:p>
@@ -1569,7 +1569,7 @@
           <a:p>
             <a:fld id="{676F7A63-D347-4AA7-BB97-1CDB187B80C6}" type="datetimeFigureOut">
               <a:rPr kumimoji="1" lang="ja-JP" altLang="en-US" smtClean="0"/>
-              <a:t>2021/10/11</a:t>
+              <a:t>2021/10/31</a:t>
             </a:fld>
             <a:endParaRPr kumimoji="1" lang="ja-JP" altLang="en-US"/>
           </a:p>
@@ -2045,7 +2045,7 @@
           <a:p>
             <a:fld id="{676F7A63-D347-4AA7-BB97-1CDB187B80C6}" type="datetimeFigureOut">
               <a:rPr kumimoji="1" lang="ja-JP" altLang="en-US" smtClean="0"/>
-              <a:t>2021/10/11</a:t>
+              <a:t>2021/10/31</a:t>
             </a:fld>
             <a:endParaRPr kumimoji="1" lang="ja-JP" altLang="en-US"/>
           </a:p>
@@ -2186,7 +2186,7 @@
           <a:p>
             <a:fld id="{676F7A63-D347-4AA7-BB97-1CDB187B80C6}" type="datetimeFigureOut">
               <a:rPr kumimoji="1" lang="ja-JP" altLang="en-US" smtClean="0"/>
-              <a:t>2021/10/11</a:t>
+              <a:t>2021/10/31</a:t>
             </a:fld>
             <a:endParaRPr kumimoji="1" lang="ja-JP" altLang="en-US"/>
           </a:p>
@@ -2299,7 +2299,7 @@
           <a:p>
             <a:fld id="{676F7A63-D347-4AA7-BB97-1CDB187B80C6}" type="datetimeFigureOut">
               <a:rPr kumimoji="1" lang="ja-JP" altLang="en-US" smtClean="0"/>
-              <a:t>2021/10/11</a:t>
+              <a:t>2021/10/31</a:t>
             </a:fld>
             <a:endParaRPr kumimoji="1" lang="ja-JP" altLang="en-US"/>
           </a:p>
@@ -2642,7 +2642,7 @@
           <a:p>
             <a:fld id="{676F7A63-D347-4AA7-BB97-1CDB187B80C6}" type="datetimeFigureOut">
               <a:rPr kumimoji="1" lang="ja-JP" altLang="en-US" smtClean="0"/>
-              <a:t>2021/10/11</a:t>
+              <a:t>2021/10/31</a:t>
             </a:fld>
             <a:endParaRPr kumimoji="1" lang="ja-JP" altLang="en-US"/>
           </a:p>
@@ -2930,7 +2930,7 @@
           <a:p>
             <a:fld id="{676F7A63-D347-4AA7-BB97-1CDB187B80C6}" type="datetimeFigureOut">
               <a:rPr kumimoji="1" lang="ja-JP" altLang="en-US" smtClean="0"/>
-              <a:t>2021/10/11</a:t>
+              <a:t>2021/10/31</a:t>
             </a:fld>
             <a:endParaRPr kumimoji="1" lang="ja-JP" altLang="en-US"/>
           </a:p>
@@ -3203,7 +3203,7 @@
           <a:p>
             <a:fld id="{676F7A63-D347-4AA7-BB97-1CDB187B80C6}" type="datetimeFigureOut">
               <a:rPr kumimoji="1" lang="ja-JP" altLang="en-US" smtClean="0"/>
-              <a:t>2021/10/11</a:t>
+              <a:t>2021/10/31</a:t>
             </a:fld>
             <a:endParaRPr kumimoji="1" lang="ja-JP" altLang="en-US"/>
           </a:p>
